--- a/docs/diagrams/UndoRedoNewCommand1CareTakerDiagram.pptx
+++ b/docs/diagrams/UndoRedoNewCommand1CareTakerDiagram.pptx
@@ -265,7 +265,7 @@
           <a:p>
             <a:fld id="{03EC4E3E-8101-482F-A883-8B55DAFF7C07}" type="datetimeFigureOut">
               <a:rPr lang="en-SG" smtClean="0"/>
-              <a:t>17/4/2018</a:t>
+              <a:t>22/4/2018</a:t>
             </a:fld>
             <a:endParaRPr lang="en-SG"/>
           </a:p>
@@ -465,7 +465,7 @@
           <a:p>
             <a:fld id="{03EC4E3E-8101-482F-A883-8B55DAFF7C07}" type="datetimeFigureOut">
               <a:rPr lang="en-SG" smtClean="0"/>
-              <a:t>17/4/2018</a:t>
+              <a:t>22/4/2018</a:t>
             </a:fld>
             <a:endParaRPr lang="en-SG"/>
           </a:p>
@@ -675,7 +675,7 @@
           <a:p>
             <a:fld id="{03EC4E3E-8101-482F-A883-8B55DAFF7C07}" type="datetimeFigureOut">
               <a:rPr lang="en-SG" smtClean="0"/>
-              <a:t>17/4/2018</a:t>
+              <a:t>22/4/2018</a:t>
             </a:fld>
             <a:endParaRPr lang="en-SG"/>
           </a:p>
@@ -875,7 +875,7 @@
           <a:p>
             <a:fld id="{03EC4E3E-8101-482F-A883-8B55DAFF7C07}" type="datetimeFigureOut">
               <a:rPr lang="en-SG" smtClean="0"/>
-              <a:t>17/4/2018</a:t>
+              <a:t>22/4/2018</a:t>
             </a:fld>
             <a:endParaRPr lang="en-SG"/>
           </a:p>
@@ -1151,7 +1151,7 @@
           <a:p>
             <a:fld id="{03EC4E3E-8101-482F-A883-8B55DAFF7C07}" type="datetimeFigureOut">
               <a:rPr lang="en-SG" smtClean="0"/>
-              <a:t>17/4/2018</a:t>
+              <a:t>22/4/2018</a:t>
             </a:fld>
             <a:endParaRPr lang="en-SG"/>
           </a:p>
@@ -1419,7 +1419,7 @@
           <a:p>
             <a:fld id="{03EC4E3E-8101-482F-A883-8B55DAFF7C07}" type="datetimeFigureOut">
               <a:rPr lang="en-SG" smtClean="0"/>
-              <a:t>17/4/2018</a:t>
+              <a:t>22/4/2018</a:t>
             </a:fld>
             <a:endParaRPr lang="en-SG"/>
           </a:p>
@@ -1834,7 +1834,7 @@
           <a:p>
             <a:fld id="{03EC4E3E-8101-482F-A883-8B55DAFF7C07}" type="datetimeFigureOut">
               <a:rPr lang="en-SG" smtClean="0"/>
-              <a:t>17/4/2018</a:t>
+              <a:t>22/4/2018</a:t>
             </a:fld>
             <a:endParaRPr lang="en-SG"/>
           </a:p>
@@ -1976,7 +1976,7 @@
           <a:p>
             <a:fld id="{03EC4E3E-8101-482F-A883-8B55DAFF7C07}" type="datetimeFigureOut">
               <a:rPr lang="en-SG" smtClean="0"/>
-              <a:t>17/4/2018</a:t>
+              <a:t>22/4/2018</a:t>
             </a:fld>
             <a:endParaRPr lang="en-SG"/>
           </a:p>
@@ -2089,7 +2089,7 @@
           <a:p>
             <a:fld id="{03EC4E3E-8101-482F-A883-8B55DAFF7C07}" type="datetimeFigureOut">
               <a:rPr lang="en-SG" smtClean="0"/>
-              <a:t>17/4/2018</a:t>
+              <a:t>22/4/2018</a:t>
             </a:fld>
             <a:endParaRPr lang="en-SG"/>
           </a:p>
@@ -2402,7 +2402,7 @@
           <a:p>
             <a:fld id="{03EC4E3E-8101-482F-A883-8B55DAFF7C07}" type="datetimeFigureOut">
               <a:rPr lang="en-SG" smtClean="0"/>
-              <a:t>17/4/2018</a:t>
+              <a:t>22/4/2018</a:t>
             </a:fld>
             <a:endParaRPr lang="en-SG"/>
           </a:p>
@@ -2691,7 +2691,7 @@
           <a:p>
             <a:fld id="{03EC4E3E-8101-482F-A883-8B55DAFF7C07}" type="datetimeFigureOut">
               <a:rPr lang="en-SG" smtClean="0"/>
-              <a:t>17/4/2018</a:t>
+              <a:t>22/4/2018</a:t>
             </a:fld>
             <a:endParaRPr lang="en-SG"/>
           </a:p>
@@ -2934,7 +2934,7 @@
           <a:p>
             <a:fld id="{03EC4E3E-8101-482F-A883-8B55DAFF7C07}" type="datetimeFigureOut">
               <a:rPr lang="en-SG" smtClean="0"/>
-              <a:t>17/4/2018</a:t>
+              <a:t>22/4/2018</a:t>
             </a:fld>
             <a:endParaRPr lang="en-SG"/>
           </a:p>
@@ -3353,326 +3353,13 @@
       </p:grpSpPr>
       <p:sp>
         <p:nvSpPr>
-          <p:cNvPr id="46" name="TextBox 45">
-            <a:extLst>
-              <a:ext uri="{FF2B5EF4-FFF2-40B4-BE49-F238E27FC236}">
-                <a16:creationId xmlns:a16="http://schemas.microsoft.com/office/drawing/2014/main" id="{3151A13B-9509-43FA-BFEB-1D9866A00B84}"/>
-              </a:ext>
-            </a:extLst>
-          </p:cNvPr>
-          <p:cNvSpPr txBox="1"/>
-          <p:nvPr/>
-        </p:nvSpPr>
-        <p:spPr>
-          <a:xfrm>
-            <a:off x="2595154" y="2775834"/>
-            <a:ext cx="3207000" cy="369332"/>
-          </a:xfrm>
-          <a:prstGeom prst="rect">
-            <a:avLst/>
-          </a:prstGeom>
-          <a:noFill/>
-        </p:spPr>
-        <p:txBody>
-          <a:bodyPr wrap="square" rtlCol="0">
-            <a:spAutoFit/>
-          </a:bodyPr>
-          <a:lstStyle/>
-          <a:p>
-            <a:pPr algn="ctr"/>
-            <a:r>
-              <a:rPr lang="en-SG" dirty="0" err="1" smtClean="0">
-                <a:latin typeface="Consolas" panose="020B0609020204030204" pitchFamily="49" charset="0"/>
-              </a:rPr>
-              <a:t>currentStatePointer</a:t>
-            </a:r>
-            <a:r>
-              <a:rPr lang="en-SG" dirty="0" smtClean="0">
-                <a:latin typeface="Consolas" panose="020B0609020204030204" pitchFamily="49" charset="0"/>
-              </a:rPr>
-              <a:t> = 1</a:t>
-            </a:r>
-            <a:endParaRPr lang="en-SG" dirty="0">
-              <a:latin typeface="Consolas" panose="020B0609020204030204" pitchFamily="49" charset="0"/>
-            </a:endParaRPr>
-          </a:p>
-        </p:txBody>
-      </p:sp>
-      <p:graphicFrame>
-        <p:nvGraphicFramePr>
-          <p:cNvPr id="47" name="Table 46">
-            <a:extLst>
-              <a:ext uri="{FF2B5EF4-FFF2-40B4-BE49-F238E27FC236}">
-                <a16:creationId xmlns:a16="http://schemas.microsoft.com/office/drawing/2014/main" id="{F545FAB8-F1CE-4886-9BDE-E772BCB0A9C4}"/>
-              </a:ext>
-            </a:extLst>
-          </p:cNvPr>
-          <p:cNvGraphicFramePr>
-            <a:graphicFrameLocks noGrp="1"/>
-          </p:cNvGraphicFramePr>
-          <p:nvPr>
-            <p:extLst>
-              <p:ext uri="{D42A27DB-BD31-4B8C-83A1-F6EECF244321}">
-                <p14:modId xmlns:p14="http://schemas.microsoft.com/office/powerpoint/2010/main" val="3236711741"/>
-              </p:ext>
-            </p:extLst>
-          </p:nvPr>
-        </p:nvGraphicFramePr>
-        <p:xfrm>
-          <a:off x="468049" y="1271575"/>
-          <a:ext cx="2433209" cy="816036"/>
-        </p:xfrm>
-        <a:graphic>
-          <a:graphicData uri="http://schemas.openxmlformats.org/drawingml/2006/table">
-            <a:tbl>
-              <a:tblPr>
-                <a:tableStyleId>{638B1855-1B75-4FBE-930C-398BA8C253C6}</a:tableStyleId>
-              </a:tblPr>
-              <a:tblGrid>
-                <a:gridCol w="2433209">
-                  <a:extLst>
-                    <a:ext uri="{9D8B030D-6E8A-4147-A177-3AD203B41FA5}">
-                      <a16:colId xmlns:a16="http://schemas.microsoft.com/office/drawing/2014/main" val="4240773277"/>
-                    </a:ext>
-                  </a:extLst>
-                </a:gridCol>
-              </a:tblGrid>
-              <a:tr h="408018">
-                <a:tc>
-                  <a:txBody>
-                    <a:bodyPr/>
-                    <a:lstStyle/>
-                    <a:p>
-                      <a:r>
-                        <a:rPr lang="en-SG" u="sng" dirty="0" smtClean="0"/>
-                        <a:t>:AddressBook0</a:t>
-                      </a:r>
-                      <a:endParaRPr lang="en-SG" u="sng" dirty="0"/>
-                    </a:p>
-                  </a:txBody>
-                  <a:tcPr>
-                    <a:lnB w="12700" cap="flat" cmpd="sng" algn="ctr">
-                      <a:solidFill>
-                        <a:schemeClr val="bg1">
-                          <a:lumMod val="75000"/>
-                        </a:schemeClr>
-                      </a:solidFill>
-                      <a:prstDash val="solid"/>
-                      <a:round/>
-                      <a:headEnd type="none" w="med" len="med"/>
-                      <a:tailEnd type="none" w="med" len="med"/>
-                    </a:lnB>
-                  </a:tcPr>
-                </a:tc>
-                <a:extLst>
-                  <a:ext uri="{0D108BD9-81ED-4DB2-BD59-A6C34878D82A}">
-                    <a16:rowId xmlns:a16="http://schemas.microsoft.com/office/drawing/2014/main" val="2194462629"/>
-                  </a:ext>
-                </a:extLst>
-              </a:tr>
-              <a:tr h="408018">
-                <a:tc>
-                  <a:txBody>
-                    <a:bodyPr/>
-                    <a:lstStyle/>
-                    <a:p>
-                      <a:r>
-                        <a:rPr lang="en-SG" dirty="0" err="1" smtClean="0"/>
-                        <a:t>prevAddressBook</a:t>
-                      </a:r>
-                      <a:r>
-                        <a:rPr lang="en-SG" dirty="0" smtClean="0"/>
-                        <a:t> = s0</a:t>
-                      </a:r>
-                      <a:endParaRPr lang="en-SG" dirty="0"/>
-                    </a:p>
-                  </a:txBody>
-                  <a:tcPr>
-                    <a:lnT w="12700" cap="flat" cmpd="sng" algn="ctr">
-                      <a:solidFill>
-                        <a:schemeClr val="bg1">
-                          <a:lumMod val="75000"/>
-                        </a:schemeClr>
-                      </a:solidFill>
-                      <a:prstDash val="solid"/>
-                      <a:round/>
-                      <a:headEnd type="none" w="med" len="med"/>
-                      <a:tailEnd type="none" w="med" len="med"/>
-                    </a:lnT>
-                  </a:tcPr>
-                </a:tc>
-                <a:extLst>
-                  <a:ext uri="{0D108BD9-81ED-4DB2-BD59-A6C34878D82A}">
-                    <a16:rowId xmlns:a16="http://schemas.microsoft.com/office/drawing/2014/main" val="368623409"/>
-                  </a:ext>
-                </a:extLst>
-              </a:tr>
-            </a:tbl>
-          </a:graphicData>
-        </a:graphic>
-      </p:graphicFrame>
-      <p:graphicFrame>
-        <p:nvGraphicFramePr>
-          <p:cNvPr id="48" name="Table 47">
-            <a:extLst>
-              <a:ext uri="{FF2B5EF4-FFF2-40B4-BE49-F238E27FC236}">
-                <a16:creationId xmlns:a16="http://schemas.microsoft.com/office/drawing/2014/main" id="{F545FAB8-F1CE-4886-9BDE-E772BCB0A9C4}"/>
-              </a:ext>
-            </a:extLst>
-          </p:cNvPr>
-          <p:cNvGraphicFramePr>
-            <a:graphicFrameLocks noGrp="1"/>
-          </p:cNvGraphicFramePr>
-          <p:nvPr>
-            <p:extLst>
-              <p:ext uri="{D42A27DB-BD31-4B8C-83A1-F6EECF244321}">
-                <p14:modId xmlns:p14="http://schemas.microsoft.com/office/powerpoint/2010/main" val="2547179866"/>
-              </p:ext>
-            </p:extLst>
-          </p:nvPr>
-        </p:nvGraphicFramePr>
-        <p:xfrm>
-          <a:off x="3027117" y="3727515"/>
-          <a:ext cx="2433209" cy="816036"/>
-        </p:xfrm>
-        <a:graphic>
-          <a:graphicData uri="http://schemas.openxmlformats.org/drawingml/2006/table">
-            <a:tbl>
-              <a:tblPr>
-                <a:tableStyleId>{638B1855-1B75-4FBE-930C-398BA8C253C6}</a:tableStyleId>
-              </a:tblPr>
-              <a:tblGrid>
-                <a:gridCol w="2433209">
-                  <a:extLst>
-                    <a:ext uri="{9D8B030D-6E8A-4147-A177-3AD203B41FA5}">
-                      <a16:colId xmlns:a16="http://schemas.microsoft.com/office/drawing/2014/main" val="4240773277"/>
-                    </a:ext>
-                  </a:extLst>
-                </a:gridCol>
-              </a:tblGrid>
-              <a:tr h="408018">
-                <a:tc>
-                  <a:txBody>
-                    <a:bodyPr/>
-                    <a:lstStyle/>
-                    <a:p>
-                      <a:r>
-                        <a:rPr lang="en-SG" u="sng" dirty="0" smtClean="0"/>
-                        <a:t>:AddressBook1</a:t>
-                      </a:r>
-                      <a:endParaRPr lang="en-SG" u="sng" dirty="0"/>
-                    </a:p>
-                  </a:txBody>
-                  <a:tcPr>
-                    <a:lnB w="12700" cap="flat" cmpd="sng" algn="ctr">
-                      <a:solidFill>
-                        <a:schemeClr val="bg1">
-                          <a:lumMod val="75000"/>
-                        </a:schemeClr>
-                      </a:solidFill>
-                      <a:prstDash val="solid"/>
-                      <a:round/>
-                      <a:headEnd type="none" w="med" len="med"/>
-                      <a:tailEnd type="none" w="med" len="med"/>
-                    </a:lnB>
-                  </a:tcPr>
-                </a:tc>
-                <a:extLst>
-                  <a:ext uri="{0D108BD9-81ED-4DB2-BD59-A6C34878D82A}">
-                    <a16:rowId xmlns:a16="http://schemas.microsoft.com/office/drawing/2014/main" val="2194462629"/>
-                  </a:ext>
-                </a:extLst>
-              </a:tr>
-              <a:tr h="408018">
-                <a:tc>
-                  <a:txBody>
-                    <a:bodyPr/>
-                    <a:lstStyle/>
-                    <a:p>
-                      <a:r>
-                        <a:rPr lang="en-SG" dirty="0" err="1" smtClean="0"/>
-                        <a:t>prevAddressBook</a:t>
-                      </a:r>
-                      <a:r>
-                        <a:rPr lang="en-SG" dirty="0" smtClean="0"/>
-                        <a:t> = s1</a:t>
-                      </a:r>
-                      <a:endParaRPr lang="en-SG" dirty="0"/>
-                    </a:p>
-                  </a:txBody>
-                  <a:tcPr>
-                    <a:lnT w="12700" cap="flat" cmpd="sng" algn="ctr">
-                      <a:solidFill>
-                        <a:schemeClr val="bg1">
-                          <a:lumMod val="75000"/>
-                        </a:schemeClr>
-                      </a:solidFill>
-                      <a:prstDash val="solid"/>
-                      <a:round/>
-                      <a:headEnd type="none" w="med" len="med"/>
-                      <a:tailEnd type="none" w="med" len="med"/>
-                    </a:lnT>
-                  </a:tcPr>
-                </a:tc>
-                <a:extLst>
-                  <a:ext uri="{0D108BD9-81ED-4DB2-BD59-A6C34878D82A}">
-                    <a16:rowId xmlns:a16="http://schemas.microsoft.com/office/drawing/2014/main" val="368623409"/>
-                  </a:ext>
-                </a:extLst>
-              </a:tr>
-            </a:tbl>
-          </a:graphicData>
-        </a:graphic>
-      </p:graphicFrame>
-      <p:sp>
-        <p:nvSpPr>
-          <p:cNvPr id="49" name="Up Arrow 48"/>
-          <p:cNvSpPr/>
-          <p:nvPr/>
-        </p:nvSpPr>
-        <p:spPr>
-          <a:xfrm>
-            <a:off x="4068025" y="2148694"/>
-            <a:ext cx="261258" cy="708503"/>
-          </a:xfrm>
-          <a:prstGeom prst="upArrow">
-            <a:avLst/>
-          </a:prstGeom>
-        </p:spPr>
-        <p:style>
-          <a:lnRef idx="2">
-            <a:schemeClr val="accent1">
-              <a:shade val="50000"/>
-            </a:schemeClr>
-          </a:lnRef>
-          <a:fillRef idx="1">
-            <a:schemeClr val="accent1"/>
-          </a:fillRef>
-          <a:effectRef idx="0">
-            <a:schemeClr val="accent1"/>
-          </a:effectRef>
-          <a:fontRef idx="minor">
-            <a:schemeClr val="lt1"/>
-          </a:fontRef>
-        </p:style>
-        <p:txBody>
-          <a:bodyPr rtlCol="0" anchor="ctr"/>
-          <a:lstStyle/>
-          <a:p>
-            <a:pPr algn="ctr"/>
-            <a:endParaRPr lang="en-US"/>
-          </a:p>
-        </p:txBody>
-      </p:sp>
-      <p:sp>
-        <p:nvSpPr>
           <p:cNvPr id="50" name="Down Arrow 49"/>
           <p:cNvSpPr/>
           <p:nvPr/>
         </p:nvSpPr>
         <p:spPr>
           <a:xfrm>
-            <a:off x="5939117" y="2215574"/>
+            <a:off x="5129284" y="2264095"/>
             <a:ext cx="1933431" cy="1383977"/>
           </a:xfrm>
           <a:prstGeom prst="downArrow">
@@ -3710,14 +3397,239 @@
       </p:sp>
       <p:sp>
         <p:nvSpPr>
-          <p:cNvPr id="51" name="Rectangle 50"/>
+          <p:cNvPr id="24" name="TextBox 23">
+            <a:extLst>
+              <a:ext uri="{FF2B5EF4-FFF2-40B4-BE49-F238E27FC236}">
+                <a16:creationId xmlns:a16="http://schemas.microsoft.com/office/drawing/2014/main" id="{3151A13B-9509-43FA-BFEB-1D9866A00B84}"/>
+              </a:ext>
+            </a:extLst>
+          </p:cNvPr>
+          <p:cNvSpPr txBox="1"/>
+          <p:nvPr/>
+        </p:nvSpPr>
+        <p:spPr>
+          <a:xfrm>
+            <a:off x="1836612" y="2726030"/>
+            <a:ext cx="3207000" cy="369332"/>
+          </a:xfrm>
+          <a:prstGeom prst="rect">
+            <a:avLst/>
+          </a:prstGeom>
+          <a:noFill/>
+        </p:spPr>
+        <p:txBody>
+          <a:bodyPr wrap="square" rtlCol="0">
+            <a:spAutoFit/>
+          </a:bodyPr>
+          <a:lstStyle/>
+          <a:p>
+            <a:pPr algn="ctr"/>
+            <a:r>
+              <a:rPr lang="en-SG" dirty="0" err="1" smtClean="0">
+                <a:latin typeface="Consolas" panose="020B0609020204030204" pitchFamily="49" charset="0"/>
+              </a:rPr>
+              <a:t>currentStatePointer</a:t>
+            </a:r>
+            <a:r>
+              <a:rPr lang="en-SG" dirty="0" smtClean="0">
+                <a:latin typeface="Consolas" panose="020B0609020204030204" pitchFamily="49" charset="0"/>
+              </a:rPr>
+              <a:t> = </a:t>
+            </a:r>
+            <a:r>
+              <a:rPr lang="en-SG" dirty="0" smtClean="0">
+                <a:latin typeface="Consolas" panose="020B0609020204030204" pitchFamily="49" charset="0"/>
+              </a:rPr>
+              <a:t>1</a:t>
+            </a:r>
+            <a:endParaRPr lang="en-SG" dirty="0">
+              <a:latin typeface="Consolas" panose="020B0609020204030204" pitchFamily="49" charset="0"/>
+            </a:endParaRPr>
+          </a:p>
+        </p:txBody>
+      </p:sp>
+      <p:graphicFrame>
+        <p:nvGraphicFramePr>
+          <p:cNvPr id="25" name="Table 24">
+            <a:extLst>
+              <a:ext uri="{FF2B5EF4-FFF2-40B4-BE49-F238E27FC236}">
+                <a16:creationId xmlns:a16="http://schemas.microsoft.com/office/drawing/2014/main" id="{F545FAB8-F1CE-4886-9BDE-E772BCB0A9C4}"/>
+              </a:ext>
+            </a:extLst>
+          </p:cNvPr>
+          <p:cNvGraphicFramePr>
+            <a:graphicFrameLocks noGrp="1"/>
+          </p:cNvGraphicFramePr>
+          <p:nvPr>
+            <p:extLst>
+              <p:ext uri="{D42A27DB-BD31-4B8C-83A1-F6EECF244321}">
+                <p14:modId xmlns:p14="http://schemas.microsoft.com/office/powerpoint/2010/main" val="1315226198"/>
+              </p:ext>
+            </p:extLst>
+          </p:nvPr>
+        </p:nvGraphicFramePr>
+        <p:xfrm>
+          <a:off x="473240" y="1476102"/>
+          <a:ext cx="1789739" cy="417888"/>
+        </p:xfrm>
+        <a:graphic>
+          <a:graphicData uri="http://schemas.openxmlformats.org/drawingml/2006/table">
+            <a:tbl>
+              <a:tblPr>
+                <a:tableStyleId>{638B1855-1B75-4FBE-930C-398BA8C253C6}</a:tableStyleId>
+              </a:tblPr>
+              <a:tblGrid>
+                <a:gridCol w="1789739">
+                  <a:extLst>
+                    <a:ext uri="{9D8B030D-6E8A-4147-A177-3AD203B41FA5}">
+                      <a16:colId xmlns:a16="http://schemas.microsoft.com/office/drawing/2014/main" val="4240773277"/>
+                    </a:ext>
+                  </a:extLst>
+                </a:gridCol>
+              </a:tblGrid>
+              <a:tr h="417888">
+                <a:tc>
+                  <a:txBody>
+                    <a:bodyPr/>
+                    <a:lstStyle/>
+                    <a:p>
+                      <a:r>
+                        <a:rPr lang="en-SG" u="sng" dirty="0" smtClean="0"/>
+                        <a:t>:</a:t>
+                      </a:r>
+                      <a:r>
+                        <a:rPr lang="en-SG" sz="2000" u="sng" dirty="0" smtClean="0"/>
+                        <a:t>AddressBook0</a:t>
+                      </a:r>
+                      <a:endParaRPr lang="en-SG" u="sng" dirty="0"/>
+                    </a:p>
+                  </a:txBody>
+                  <a:tcPr/>
+                </a:tc>
+                <a:extLst>
+                  <a:ext uri="{0D108BD9-81ED-4DB2-BD59-A6C34878D82A}">
+                    <a16:rowId xmlns:a16="http://schemas.microsoft.com/office/drawing/2014/main" val="2194462629"/>
+                  </a:ext>
+                </a:extLst>
+              </a:tr>
+            </a:tbl>
+          </a:graphicData>
+        </a:graphic>
+      </p:graphicFrame>
+      <p:graphicFrame>
+        <p:nvGraphicFramePr>
+          <p:cNvPr id="26" name="Table 25">
+            <a:extLst>
+              <a:ext uri="{FF2B5EF4-FFF2-40B4-BE49-F238E27FC236}">
+                <a16:creationId xmlns:a16="http://schemas.microsoft.com/office/drawing/2014/main" id="{F545FAB8-F1CE-4886-9BDE-E772BCB0A9C4}"/>
+              </a:ext>
+            </a:extLst>
+          </p:cNvPr>
+          <p:cNvGraphicFramePr>
+            <a:graphicFrameLocks noGrp="1"/>
+          </p:cNvGraphicFramePr>
+          <p:nvPr>
+            <p:extLst>
+              <p:ext uri="{D42A27DB-BD31-4B8C-83A1-F6EECF244321}">
+                <p14:modId xmlns:p14="http://schemas.microsoft.com/office/powerpoint/2010/main" val="1829589541"/>
+              </p:ext>
+            </p:extLst>
+          </p:nvPr>
+        </p:nvGraphicFramePr>
+        <p:xfrm>
+          <a:off x="2563168" y="3931005"/>
+          <a:ext cx="1753888" cy="409055"/>
+        </p:xfrm>
+        <a:graphic>
+          <a:graphicData uri="http://schemas.openxmlformats.org/drawingml/2006/table">
+            <a:tbl>
+              <a:tblPr>
+                <a:tableStyleId>{638B1855-1B75-4FBE-930C-398BA8C253C6}</a:tableStyleId>
+              </a:tblPr>
+              <a:tblGrid>
+                <a:gridCol w="1753888">
+                  <a:extLst>
+                    <a:ext uri="{9D8B030D-6E8A-4147-A177-3AD203B41FA5}">
+                      <a16:colId xmlns:a16="http://schemas.microsoft.com/office/drawing/2014/main" val="4240773277"/>
+                    </a:ext>
+                  </a:extLst>
+                </a:gridCol>
+              </a:tblGrid>
+              <a:tr h="409055">
+                <a:tc>
+                  <a:txBody>
+                    <a:bodyPr/>
+                    <a:lstStyle/>
+                    <a:p>
+                      <a:r>
+                        <a:rPr lang="en-SG" sz="2000" u="sng" dirty="0" smtClean="0"/>
+                        <a:t>:AddressBook1</a:t>
+                      </a:r>
+                      <a:endParaRPr lang="en-SG" sz="2000" u="sng" dirty="0"/>
+                    </a:p>
+                  </a:txBody>
+                  <a:tcPr/>
+                </a:tc>
+                <a:extLst>
+                  <a:ext uri="{0D108BD9-81ED-4DB2-BD59-A6C34878D82A}">
+                    <a16:rowId xmlns:a16="http://schemas.microsoft.com/office/drawing/2014/main" val="2194462629"/>
+                  </a:ext>
+                </a:extLst>
+              </a:tr>
+            </a:tbl>
+          </a:graphicData>
+        </a:graphic>
+      </p:graphicFrame>
+      <p:sp>
+        <p:nvSpPr>
+          <p:cNvPr id="27" name="Up Arrow 26"/>
           <p:cNvSpPr/>
           <p:nvPr/>
         </p:nvSpPr>
         <p:spPr>
           <a:xfrm>
-            <a:off x="364797" y="1210491"/>
-            <a:ext cx="11364686" cy="940526"/>
+            <a:off x="3309483" y="2002972"/>
+            <a:ext cx="234009" cy="804421"/>
+          </a:xfrm>
+          <a:prstGeom prst="upArrow">
+            <a:avLst/>
+          </a:prstGeom>
+        </p:spPr>
+        <p:style>
+          <a:lnRef idx="2">
+            <a:schemeClr val="accent1">
+              <a:shade val="50000"/>
+            </a:schemeClr>
+          </a:lnRef>
+          <a:fillRef idx="1">
+            <a:schemeClr val="accent1"/>
+          </a:fillRef>
+          <a:effectRef idx="0">
+            <a:schemeClr val="accent1"/>
+          </a:effectRef>
+          <a:fontRef idx="minor">
+            <a:schemeClr val="lt1"/>
+          </a:fontRef>
+        </p:style>
+        <p:txBody>
+          <a:bodyPr rtlCol="0" anchor="ctr"/>
+          <a:lstStyle/>
+          <a:p>
+            <a:pPr algn="ctr"/>
+            <a:endParaRPr lang="en-US"/>
+          </a:p>
+        </p:txBody>
+      </p:sp>
+      <p:sp>
+        <p:nvSpPr>
+          <p:cNvPr id="29" name="Rectangle 28"/>
+          <p:cNvSpPr/>
+          <p:nvPr/>
+        </p:nvSpPr>
+        <p:spPr>
+          <a:xfrm>
+            <a:off x="364797" y="1375953"/>
+            <a:ext cx="11364686" cy="618187"/>
           </a:xfrm>
           <a:prstGeom prst="rect">
             <a:avLst/>
@@ -3756,7 +3668,7 @@
       </p:sp>
       <p:sp>
         <p:nvSpPr>
-          <p:cNvPr id="52" name="TextBox 51">
+          <p:cNvPr id="30" name="TextBox 29">
             <a:extLst>
               <a:ext uri="{FF2B5EF4-FFF2-40B4-BE49-F238E27FC236}">
                 <a16:creationId xmlns:a16="http://schemas.microsoft.com/office/drawing/2014/main" id="{3151A13B-9509-43FA-BFEB-1D9866A00B84}"/>
@@ -3768,7 +3680,7 @@
         </p:nvSpPr>
         <p:spPr>
           <a:xfrm>
-            <a:off x="5247749" y="5231774"/>
+            <a:off x="4065489" y="5245580"/>
             <a:ext cx="3207000" cy="369332"/>
           </a:xfrm>
           <a:prstGeom prst="rect">
@@ -3793,7 +3705,13 @@
               <a:rPr lang="en-SG" dirty="0" smtClean="0">
                 <a:latin typeface="Consolas" panose="020B0609020204030204" pitchFamily="49" charset="0"/>
               </a:rPr>
-              <a:t> = 2</a:t>
+              <a:t> = </a:t>
+            </a:r>
+            <a:r>
+              <a:rPr lang="en-SG" dirty="0" smtClean="0">
+                <a:latin typeface="Consolas" panose="020B0609020204030204" pitchFamily="49" charset="0"/>
+              </a:rPr>
+              <a:t>2</a:t>
             </a:r>
             <a:endParaRPr lang="en-SG" dirty="0">
               <a:latin typeface="Consolas" panose="020B0609020204030204" pitchFamily="49" charset="0"/>
@@ -3803,7 +3721,7 @@
       </p:sp>
       <p:graphicFrame>
         <p:nvGraphicFramePr>
-          <p:cNvPr id="53" name="Table 52">
+          <p:cNvPr id="31" name="Table 30">
             <a:extLst>
               <a:ext uri="{FF2B5EF4-FFF2-40B4-BE49-F238E27FC236}">
                 <a16:creationId xmlns:a16="http://schemas.microsoft.com/office/drawing/2014/main" id="{F545FAB8-F1CE-4886-9BDE-E772BCB0A9C4}"/>
@@ -3816,14 +3734,14 @@
           <p:nvPr>
             <p:extLst>
               <p:ext uri="{D42A27DB-BD31-4B8C-83A1-F6EECF244321}">
-                <p14:modId xmlns:p14="http://schemas.microsoft.com/office/powerpoint/2010/main" val="3891073928"/>
+                <p14:modId xmlns:p14="http://schemas.microsoft.com/office/powerpoint/2010/main" val="2652551595"/>
               </p:ext>
             </p:extLst>
           </p:nvPr>
         </p:nvGraphicFramePr>
         <p:xfrm>
-          <a:off x="490656" y="3727516"/>
-          <a:ext cx="2433209" cy="816036"/>
+          <a:off x="473240" y="3931005"/>
+          <a:ext cx="1825824" cy="409055"/>
         </p:xfrm>
         <a:graphic>
           <a:graphicData uri="http://schemas.openxmlformats.org/drawingml/2006/table">
@@ -3832,7 +3750,7 @@
                 <a:tableStyleId>{638B1855-1B75-4FBE-930C-398BA8C253C6}</a:tableStyleId>
               </a:tblPr>
               <a:tblGrid>
-                <a:gridCol w="2433209">
+                <a:gridCol w="1825824">
                   <a:extLst>
                     <a:ext uri="{9D8B030D-6E8A-4147-A177-3AD203B41FA5}">
                       <a16:colId xmlns:a16="http://schemas.microsoft.com/office/drawing/2014/main" val="4240773277"/>
@@ -3840,32 +3758,20 @@
                   </a:extLst>
                 </a:gridCol>
               </a:tblGrid>
-              <a:tr h="408018">
+              <a:tr h="409055">
                 <a:tc>
                   <a:txBody>
                     <a:bodyPr/>
                     <a:lstStyle/>
                     <a:p>
                       <a:r>
-                        <a:rPr lang="en-SG" u="sng" dirty="0" smtClean="0"/>
+                        <a:rPr lang="en-SG" sz="2000" u="sng" dirty="0" smtClean="0"/>
                         <a:t>:AddressBook0</a:t>
                       </a:r>
-                      <a:endParaRPr lang="en-SG" u="sng" dirty="0"/>
+                      <a:endParaRPr lang="en-SG" sz="2000" u="sng" dirty="0"/>
                     </a:p>
                   </a:txBody>
-                  <a:tcPr>
-                    <a:lnB w="12700" cap="flat" cmpd="sng" algn="ctr">
-                      <a:solidFill>
-                        <a:schemeClr val="bg1">
-                          <a:lumMod val="75000"/>
-                        </a:schemeClr>
-                      </a:solidFill>
-                      <a:prstDash val="solid"/>
-                      <a:round/>
-                      <a:headEnd type="none" w="med" len="med"/>
-                      <a:tailEnd type="none" w="med" len="med"/>
-                    </a:lnB>
-                  </a:tcPr>
+                  <a:tcPr/>
                 </a:tc>
                 <a:extLst>
                   <a:ext uri="{0D108BD9-81ED-4DB2-BD59-A6C34878D82A}">
@@ -3873,57 +3779,20 @@
                   </a:ext>
                 </a:extLst>
               </a:tr>
-              <a:tr h="408018">
-                <a:tc>
-                  <a:txBody>
-                    <a:bodyPr/>
-                    <a:lstStyle/>
-                    <a:p>
-                      <a:r>
-                        <a:rPr lang="en-SG" dirty="0" err="1" smtClean="0"/>
-                        <a:t>prevAddressBook</a:t>
-                      </a:r>
-                      <a:r>
-                        <a:rPr lang="en-SG" dirty="0" smtClean="0"/>
-                        <a:t> = s0</a:t>
-                      </a:r>
-                      <a:endParaRPr lang="en-SG" dirty="0"/>
-                    </a:p>
-                  </a:txBody>
-                  <a:tcPr>
-                    <a:lnT w="12700" cap="flat" cmpd="sng" algn="ctr">
-                      <a:solidFill>
-                        <a:schemeClr val="bg1">
-                          <a:lumMod val="75000"/>
-                        </a:schemeClr>
-                      </a:solidFill>
-                      <a:prstDash val="solid"/>
-                      <a:round/>
-                      <a:headEnd type="none" w="med" len="med"/>
-                      <a:tailEnd type="none" w="med" len="med"/>
-                    </a:lnT>
-                  </a:tcPr>
-                </a:tc>
-                <a:extLst>
-                  <a:ext uri="{0D108BD9-81ED-4DB2-BD59-A6C34878D82A}">
-                    <a16:rowId xmlns:a16="http://schemas.microsoft.com/office/drawing/2014/main" val="368623409"/>
-                  </a:ext>
-                </a:extLst>
-              </a:tr>
             </a:tbl>
           </a:graphicData>
         </a:graphic>
       </p:graphicFrame>
       <p:sp>
         <p:nvSpPr>
-          <p:cNvPr id="54" name="Up Arrow 53"/>
+          <p:cNvPr id="32" name="Up Arrow 31"/>
           <p:cNvSpPr/>
           <p:nvPr/>
         </p:nvSpPr>
         <p:spPr>
           <a:xfrm>
-            <a:off x="6720620" y="4604634"/>
-            <a:ext cx="261258" cy="708503"/>
+            <a:off x="5407958" y="4432491"/>
+            <a:ext cx="261031" cy="798758"/>
           </a:xfrm>
           <a:prstGeom prst="upArrow">
             <a:avLst/>
@@ -3956,14 +3825,14 @@
       </p:sp>
       <p:sp>
         <p:nvSpPr>
-          <p:cNvPr id="55" name="Rectangle 54"/>
+          <p:cNvPr id="33" name="Rectangle 32"/>
           <p:cNvSpPr/>
           <p:nvPr/>
         </p:nvSpPr>
         <p:spPr>
           <a:xfrm>
-            <a:off x="387404" y="3666432"/>
-            <a:ext cx="11364686" cy="940526"/>
+            <a:off x="387404" y="3838574"/>
+            <a:ext cx="11364686" cy="593918"/>
           </a:xfrm>
           <a:prstGeom prst="rect">
             <a:avLst/>
@@ -4002,7 +3871,7 @@
       </p:sp>
       <p:graphicFrame>
         <p:nvGraphicFramePr>
-          <p:cNvPr id="56" name="Table 55">
+          <p:cNvPr id="34" name="Table 33">
             <a:extLst>
               <a:ext uri="{FF2B5EF4-FFF2-40B4-BE49-F238E27FC236}">
                 <a16:creationId xmlns:a16="http://schemas.microsoft.com/office/drawing/2014/main" id="{F545FAB8-F1CE-4886-9BDE-E772BCB0A9C4}"/>
@@ -4015,14 +3884,14 @@
           <p:nvPr>
             <p:extLst>
               <p:ext uri="{D42A27DB-BD31-4B8C-83A1-F6EECF244321}">
-                <p14:modId xmlns:p14="http://schemas.microsoft.com/office/powerpoint/2010/main" val="261017321"/>
+                <p14:modId xmlns:p14="http://schemas.microsoft.com/office/powerpoint/2010/main" val="2463372522"/>
               </p:ext>
             </p:extLst>
           </p:nvPr>
         </p:nvGraphicFramePr>
         <p:xfrm>
-          <a:off x="3027117" y="1268506"/>
-          <a:ext cx="2433209" cy="816036"/>
+          <a:off x="2563054" y="1484935"/>
+          <a:ext cx="1753888" cy="409055"/>
         </p:xfrm>
         <a:graphic>
           <a:graphicData uri="http://schemas.openxmlformats.org/drawingml/2006/table">
@@ -4031,7 +3900,7 @@
                 <a:tableStyleId>{638B1855-1B75-4FBE-930C-398BA8C253C6}</a:tableStyleId>
               </a:tblPr>
               <a:tblGrid>
-                <a:gridCol w="2433209">
+                <a:gridCol w="1753888">
                   <a:extLst>
                     <a:ext uri="{9D8B030D-6E8A-4147-A177-3AD203B41FA5}">
                       <a16:colId xmlns:a16="http://schemas.microsoft.com/office/drawing/2014/main" val="4240773277"/>
@@ -4039,73 +3908,24 @@
                   </a:extLst>
                 </a:gridCol>
               </a:tblGrid>
-              <a:tr h="408018">
+              <a:tr h="409055">
                 <a:tc>
                   <a:txBody>
                     <a:bodyPr/>
                     <a:lstStyle/>
                     <a:p>
                       <a:r>
-                        <a:rPr lang="en-SG" u="sng" dirty="0" smtClean="0"/>
+                        <a:rPr lang="en-SG" sz="2000" u="sng" dirty="0" smtClean="0"/>
                         <a:t>:AddressBook1</a:t>
                       </a:r>
-                      <a:endParaRPr lang="en-SG" u="sng" dirty="0"/>
+                      <a:endParaRPr lang="en-SG" sz="2000" u="sng" dirty="0"/>
                     </a:p>
                   </a:txBody>
-                  <a:tcPr>
-                    <a:lnB w="12700" cap="flat" cmpd="sng" algn="ctr">
-                      <a:solidFill>
-                        <a:schemeClr val="bg1">
-                          <a:lumMod val="75000"/>
-                        </a:schemeClr>
-                      </a:solidFill>
-                      <a:prstDash val="solid"/>
-                      <a:round/>
-                      <a:headEnd type="none" w="med" len="med"/>
-                      <a:tailEnd type="none" w="med" len="med"/>
-                    </a:lnB>
-                  </a:tcPr>
+                  <a:tcPr/>
                 </a:tc>
                 <a:extLst>
                   <a:ext uri="{0D108BD9-81ED-4DB2-BD59-A6C34878D82A}">
                     <a16:rowId xmlns:a16="http://schemas.microsoft.com/office/drawing/2014/main" val="2194462629"/>
-                  </a:ext>
-                </a:extLst>
-              </a:tr>
-              <a:tr h="408018">
-                <a:tc>
-                  <a:txBody>
-                    <a:bodyPr/>
-                    <a:lstStyle/>
-                    <a:p>
-                      <a:r>
-                        <a:rPr lang="en-SG" dirty="0" err="1" smtClean="0"/>
-                        <a:t>prevAddressBook</a:t>
-                      </a:r>
-                      <a:r>
-                        <a:rPr lang="en-SG" dirty="0" smtClean="0"/>
-                        <a:t> = s1</a:t>
-                      </a:r>
-                      <a:endParaRPr lang="en-SG" dirty="0"/>
-                    </a:p>
-                  </a:txBody>
-                  <a:tcPr>
-                    <a:lnT w="12700" cap="flat" cmpd="sng" algn="ctr">
-                      <a:solidFill>
-                        <a:schemeClr val="bg1">
-                          <a:lumMod val="75000"/>
-                        </a:schemeClr>
-                      </a:solidFill>
-                      <a:prstDash val="solid"/>
-                      <a:round/>
-                      <a:headEnd type="none" w="med" len="med"/>
-                      <a:tailEnd type="none" w="med" len="med"/>
-                    </a:lnT>
-                  </a:tcPr>
-                </a:tc>
-                <a:extLst>
-                  <a:ext uri="{0D108BD9-81ED-4DB2-BD59-A6C34878D82A}">
-                    <a16:rowId xmlns:a16="http://schemas.microsoft.com/office/drawing/2014/main" val="368623409"/>
                   </a:ext>
                 </a:extLst>
               </a:tr>
@@ -4115,7 +3935,7 @@
       </p:graphicFrame>
       <p:graphicFrame>
         <p:nvGraphicFramePr>
-          <p:cNvPr id="57" name="Table 56">
+          <p:cNvPr id="35" name="Table 34">
             <a:extLst>
               <a:ext uri="{FF2B5EF4-FFF2-40B4-BE49-F238E27FC236}">
                 <a16:creationId xmlns:a16="http://schemas.microsoft.com/office/drawing/2014/main" id="{F545FAB8-F1CE-4886-9BDE-E772BCB0A9C4}"/>
@@ -4128,14 +3948,14 @@
           <p:nvPr>
             <p:extLst>
               <p:ext uri="{D42A27DB-BD31-4B8C-83A1-F6EECF244321}">
-                <p14:modId xmlns:p14="http://schemas.microsoft.com/office/powerpoint/2010/main" val="3583391279"/>
+                <p14:modId xmlns:p14="http://schemas.microsoft.com/office/powerpoint/2010/main" val="307164068"/>
               </p:ext>
             </p:extLst>
           </p:nvPr>
         </p:nvGraphicFramePr>
         <p:xfrm>
-          <a:off x="5563578" y="3724041"/>
-          <a:ext cx="2433209" cy="816036"/>
+          <a:off x="4581160" y="3931005"/>
+          <a:ext cx="1753888" cy="409055"/>
         </p:xfrm>
         <a:graphic>
           <a:graphicData uri="http://schemas.openxmlformats.org/drawingml/2006/table">
@@ -4144,7 +3964,7 @@
                 <a:tableStyleId>{638B1855-1B75-4FBE-930C-398BA8C253C6}</a:tableStyleId>
               </a:tblPr>
               <a:tblGrid>
-                <a:gridCol w="2433209">
+                <a:gridCol w="1753888">
                   <a:extLst>
                     <a:ext uri="{9D8B030D-6E8A-4147-A177-3AD203B41FA5}">
                       <a16:colId xmlns:a16="http://schemas.microsoft.com/office/drawing/2014/main" val="4240773277"/>
@@ -4152,81 +3972,28 @@
                   </a:extLst>
                 </a:gridCol>
               </a:tblGrid>
-              <a:tr h="408018">
+              <a:tr h="409055">
                 <a:tc>
                   <a:txBody>
                     <a:bodyPr/>
                     <a:lstStyle/>
                     <a:p>
                       <a:r>
-                        <a:rPr lang="en-SG" u="sng" smtClean="0"/>
+                        <a:rPr lang="en-SG" sz="2000" u="sng" dirty="0" smtClean="0"/>
                         <a:t>:</a:t>
                       </a:r>
                       <a:r>
-                        <a:rPr lang="en-SG" u="sng" smtClean="0"/>
+                        <a:rPr lang="en-SG" sz="2000" u="sng" dirty="0" smtClean="0"/>
                         <a:t>AddressBook2</a:t>
                       </a:r>
-                      <a:endParaRPr lang="en-SG" u="sng" dirty="0"/>
+                      <a:endParaRPr lang="en-SG" sz="2000" u="sng" dirty="0"/>
                     </a:p>
                   </a:txBody>
-                  <a:tcPr>
-                    <a:lnB w="12700" cap="flat" cmpd="sng" algn="ctr">
-                      <a:solidFill>
-                        <a:schemeClr val="bg1">
-                          <a:lumMod val="75000"/>
-                        </a:schemeClr>
-                      </a:solidFill>
-                      <a:prstDash val="solid"/>
-                      <a:round/>
-                      <a:headEnd type="none" w="med" len="med"/>
-                      <a:tailEnd type="none" w="med" len="med"/>
-                    </a:lnB>
-                  </a:tcPr>
+                  <a:tcPr/>
                 </a:tc>
                 <a:extLst>
                   <a:ext uri="{0D108BD9-81ED-4DB2-BD59-A6C34878D82A}">
                     <a16:rowId xmlns:a16="http://schemas.microsoft.com/office/drawing/2014/main" val="2194462629"/>
-                  </a:ext>
-                </a:extLst>
-              </a:tr>
-              <a:tr h="408018">
-                <a:tc>
-                  <a:txBody>
-                    <a:bodyPr/>
-                    <a:lstStyle/>
-                    <a:p>
-                      <a:r>
-                        <a:rPr lang="en-SG" dirty="0" err="1" smtClean="0"/>
-                        <a:t>prevAddressBook</a:t>
-                      </a:r>
-                      <a:r>
-                        <a:rPr lang="en-SG" dirty="0" smtClean="0"/>
-                        <a:t> = </a:t>
-                      </a:r>
-                      <a:r>
-                        <a:rPr lang="en-SG" dirty="0" smtClean="0"/>
-                        <a:t>s2</a:t>
-                      </a:r>
-                      <a:endParaRPr lang="en-SG" dirty="0"/>
-                    </a:p>
-                  </a:txBody>
-                  <a:tcPr>
-                    <a:lnT w="12700" cap="flat" cmpd="sng" algn="ctr">
-                      <a:solidFill>
-                        <a:schemeClr val="bg1">
-                          <a:lumMod val="75000"/>
-                        </a:schemeClr>
-                      </a:solidFill>
-                      <a:prstDash val="solid"/>
-                      <a:round/>
-                      <a:headEnd type="none" w="med" len="med"/>
-                      <a:tailEnd type="none" w="med" len="med"/>
-                    </a:lnT>
-                  </a:tcPr>
-                </a:tc>
-                <a:extLst>
-                  <a:ext uri="{0D108BD9-81ED-4DB2-BD59-A6C34878D82A}">
-                    <a16:rowId xmlns:a16="http://schemas.microsoft.com/office/drawing/2014/main" val="368623409"/>
                   </a:ext>
                 </a:extLst>
               </a:tr>
